--- a/clifton_alexander/individual_project/project/finesse_business/Finesse Pitch Deck.pptx
+++ b/clifton_alexander/individual_project/project/finesse_business/Finesse Pitch Deck.pptx
@@ -115,6 +115,11 @@
       </a:defRPr>
     </a:lvl9pPr>
   </p:defaultTextStyle>
+  <p:extLst>
+    <p:ext uri="{EFAFB233-063F-42B5-8137-9DF3F51BA10A}">
+      <p15:sldGuideLst xmlns:p15="http://schemas.microsoft.com/office/powerpoint/2012/main"/>
+    </p:ext>
+  </p:extLst>
 </p:presentation>
 </file>
 
@@ -221,6 +226,11 @@
               </a:ln>
               <a:effectLst/>
             </c:spPr>
+            <c:extLst>
+              <c:ext xmlns:c16="http://schemas.microsoft.com/office/drawing/2014/chart" uri="{C3380CC4-5D6E-409C-BE32-E72D297353CC}">
+                <c16:uniqueId val="{00000001-3B27-4419-A009-4F9685611E45}"/>
+              </c:ext>
+            </c:extLst>
           </c:dPt>
           <c:dPt>
             <c:idx val="1"/>
@@ -245,14 +255,7 @@
           </c:dPt>
           <c:cat>
             <c:strRef>
-              <c:extLst>
-                <c:ext xmlns:c15="http://schemas.microsoft.com/office/drawing/2012/chart" uri="{02D57815-91ED-43cb-92C2-25804820EDAC}">
-                  <c15:fullRef>
-                    <c15:sqref>Sheet1!$A$2:$A$5</c15:sqref>
-                  </c15:fullRef>
-                </c:ext>
-              </c:extLst>
-              <c:f>Sheet1!$A$2:$A$3</c:f>
+              <c:f>Sheet1!$A$2:$A$5</c:f>
               <c:strCache>
                 <c:ptCount val="2"/>
                 <c:pt idx="0">
@@ -266,14 +269,7 @@
           </c:cat>
           <c:val>
             <c:numRef>
-              <c:extLst>
-                <c:ext xmlns:c15="http://schemas.microsoft.com/office/drawing/2012/chart" uri="{02D57815-91ED-43cb-92C2-25804820EDAC}">
-                  <c15:fullRef>
-                    <c15:sqref>Sheet1!$B$2:$B$5</c15:sqref>
-                  </c15:fullRef>
-                </c:ext>
-              </c:extLst>
-              <c:f>Sheet1!$B$2:$B$3</c:f>
+              <c:f>Sheet1!$B$2:$B$5</c:f>
               <c:numCache>
                 <c:formatCode>#,##0</c:formatCode>
                 <c:ptCount val="2"/>
@@ -1013,6 +1009,14 @@
           </a:p>
         </c:rich>
       </c:tx>
+      <c:layout>
+        <c:manualLayout>
+          <c:xMode val="edge"/>
+          <c:yMode val="edge"/>
+          <c:x val="0.21382378901052573"/>
+          <c:y val="8.6773297358728629E-2"/>
+        </c:manualLayout>
+      </c:layout>
       <c:overlay val="0"/>
       <c:spPr>
         <a:noFill/>
@@ -1152,11 +1156,6 @@
                       </a:rPr>
                       <a:t>47.1%</a:t>
                     </a:r>
-                    <a:endParaRPr lang="en-US">
-                      <a:solidFill>
-                        <a:schemeClr val="bg1"/>
-                      </a:solidFill>
-                    </a:endParaRPr>
                   </a:p>
                 </c:rich>
               </c:tx>
@@ -3085,7 +3084,7 @@
           <a:p>
             <a:fld id="{B0C10F20-62A6-41EA-AFCC-E8E69D600011}" type="datetimeFigureOut">
               <a:rPr lang="en-US" smtClean="0"/>
-              <a:t>12/6/2016</a:t>
+              <a:t>12/14/2016</a:t>
             </a:fld>
             <a:endParaRPr lang="en-US"/>
           </a:p>
@@ -3180,7 +3179,6 @@
               <a:rPr lang="en-US"/>
               <a:t>Fifth level</a:t>
             </a:r>
-            <a:endParaRPr lang="en-US"/>
           </a:p>
         </p:txBody>
       </p:sp>
@@ -4504,7 +4502,7 @@
             <a:fld id="{B61BEF0D-F0BB-DE4B-95CE-6DB70DBA9567}" type="datetimeFigureOut">
               <a:rPr lang="en-US" dirty="0"/>
               <a:pPr/>
-              <a:t>12/6/2016</a:t>
+              <a:t>12/14/2016</a:t>
             </a:fld>
             <a:endParaRPr lang="en-US" dirty="0"/>
           </a:p>
@@ -4797,7 +4795,7 @@
             <a:fld id="{B61BEF0D-F0BB-DE4B-95CE-6DB70DBA9567}" type="datetimeFigureOut">
               <a:rPr lang="en-US" dirty="0"/>
               <a:pPr/>
-              <a:t>12/6/2016</a:t>
+              <a:t>12/14/2016</a:t>
             </a:fld>
             <a:endParaRPr lang="en-US" dirty="0"/>
           </a:p>
@@ -5042,7 +5040,7 @@
             <a:fld id="{B61BEF0D-F0BB-DE4B-95CE-6DB70DBA9567}" type="datetimeFigureOut">
               <a:rPr lang="en-US" dirty="0"/>
               <a:pPr/>
-              <a:t>12/6/2016</a:t>
+              <a:t>12/14/2016</a:t>
             </a:fld>
             <a:endParaRPr lang="en-US" dirty="0"/>
           </a:p>
@@ -5579,7 +5577,7 @@
             <a:fld id="{B61BEF0D-F0BB-DE4B-95CE-6DB70DBA9567}" type="datetimeFigureOut">
               <a:rPr lang="en-US" dirty="0"/>
               <a:pPr/>
-              <a:t>12/6/2016</a:t>
+              <a:t>12/14/2016</a:t>
             </a:fld>
             <a:endParaRPr lang="en-US" dirty="0"/>
           </a:p>
@@ -5824,7 +5822,7 @@
             <a:fld id="{B61BEF0D-F0BB-DE4B-95CE-6DB70DBA9567}" type="datetimeFigureOut">
               <a:rPr lang="en-US" dirty="0"/>
               <a:pPr/>
-              <a:t>12/6/2016</a:t>
+              <a:t>12/14/2016</a:t>
             </a:fld>
             <a:endParaRPr lang="en-US" dirty="0"/>
           </a:p>
@@ -6353,7 +6351,7 @@
             <a:fld id="{B61BEF0D-F0BB-DE4B-95CE-6DB70DBA9567}" type="datetimeFigureOut">
               <a:rPr lang="en-US" dirty="0"/>
               <a:pPr/>
-              <a:t>12/6/2016</a:t>
+              <a:t>12/14/2016</a:t>
             </a:fld>
             <a:endParaRPr lang="en-US" dirty="0"/>
           </a:p>
@@ -6647,7 +6645,7 @@
             <a:fld id="{B61BEF0D-F0BB-DE4B-95CE-6DB70DBA9567}" type="datetimeFigureOut">
               <a:rPr lang="en-US" dirty="0"/>
               <a:pPr/>
-              <a:t>12/6/2016</a:t>
+              <a:t>12/14/2016</a:t>
             </a:fld>
             <a:endParaRPr lang="en-US" dirty="0"/>
           </a:p>
@@ -6818,7 +6816,7 @@
             <a:fld id="{B61BEF0D-F0BB-DE4B-95CE-6DB70DBA9567}" type="datetimeFigureOut">
               <a:rPr lang="en-US" dirty="0"/>
               <a:pPr/>
-              <a:t>12/6/2016</a:t>
+              <a:t>12/14/2016</a:t>
             </a:fld>
             <a:endParaRPr lang="en-US" dirty="0"/>
           </a:p>
@@ -6995,7 +6993,7 @@
             <a:fld id="{B61BEF0D-F0BB-DE4B-95CE-6DB70DBA9567}" type="datetimeFigureOut">
               <a:rPr lang="en-US" dirty="0"/>
               <a:pPr/>
-              <a:t>12/6/2016</a:t>
+              <a:t>12/14/2016</a:t>
             </a:fld>
             <a:endParaRPr lang="en-US" dirty="0"/>
           </a:p>
@@ -7162,7 +7160,7 @@
             <a:fld id="{B61BEF0D-F0BB-DE4B-95CE-6DB70DBA9567}" type="datetimeFigureOut">
               <a:rPr lang="en-US" dirty="0"/>
               <a:pPr/>
-              <a:t>12/6/2016</a:t>
+              <a:t>12/14/2016</a:t>
             </a:fld>
             <a:endParaRPr lang="en-US" dirty="0"/>
           </a:p>
@@ -7410,7 +7408,7 @@
             <a:fld id="{B61BEF0D-F0BB-DE4B-95CE-6DB70DBA9567}" type="datetimeFigureOut">
               <a:rPr lang="en-US" dirty="0"/>
               <a:pPr/>
-              <a:t>12/6/2016</a:t>
+              <a:t>12/14/2016</a:t>
             </a:fld>
             <a:endParaRPr lang="en-US" dirty="0"/>
           </a:p>
@@ -7704,7 +7702,7 @@
             <a:fld id="{B61BEF0D-F0BB-DE4B-95CE-6DB70DBA9567}" type="datetimeFigureOut">
               <a:rPr lang="en-US" dirty="0"/>
               <a:pPr/>
-              <a:t>12/6/2016</a:t>
+              <a:t>12/14/2016</a:t>
             </a:fld>
             <a:endParaRPr lang="en-US" dirty="0"/>
           </a:p>
@@ -8143,7 +8141,7 @@
             <a:fld id="{B61BEF0D-F0BB-DE4B-95CE-6DB70DBA9567}" type="datetimeFigureOut">
               <a:rPr lang="en-US" dirty="0"/>
               <a:pPr/>
-              <a:t>12/6/2016</a:t>
+              <a:t>12/14/2016</a:t>
             </a:fld>
             <a:endParaRPr lang="en-US" dirty="0"/>
           </a:p>
@@ -8258,7 +8256,7 @@
             <a:fld id="{B61BEF0D-F0BB-DE4B-95CE-6DB70DBA9567}" type="datetimeFigureOut">
               <a:rPr lang="en-US" dirty="0"/>
               <a:pPr/>
-              <a:t>12/6/2016</a:t>
+              <a:t>12/14/2016</a:t>
             </a:fld>
             <a:endParaRPr lang="en-US" dirty="0"/>
           </a:p>
@@ -8350,7 +8348,7 @@
             <a:fld id="{B61BEF0D-F0BB-DE4B-95CE-6DB70DBA9567}" type="datetimeFigureOut">
               <a:rPr lang="en-US" dirty="0"/>
               <a:pPr/>
-              <a:t>12/6/2016</a:t>
+              <a:t>12/14/2016</a:t>
             </a:fld>
             <a:endParaRPr lang="en-US" dirty="0"/>
           </a:p>
@@ -8630,7 +8628,7 @@
             <a:fld id="{B61BEF0D-F0BB-DE4B-95CE-6DB70DBA9567}" type="datetimeFigureOut">
               <a:rPr lang="en-US" dirty="0"/>
               <a:pPr/>
-              <a:t>12/6/2016</a:t>
+              <a:t>12/14/2016</a:t>
             </a:fld>
             <a:endParaRPr lang="en-US" dirty="0"/>
           </a:p>
@@ -8918,7 +8916,7 @@
             <a:fld id="{B61BEF0D-F0BB-DE4B-95CE-6DB70DBA9567}" type="datetimeFigureOut">
               <a:rPr lang="en-US" dirty="0"/>
               <a:pPr/>
-              <a:t>12/6/2016</a:t>
+              <a:t>12/14/2016</a:t>
             </a:fld>
             <a:endParaRPr lang="en-US" dirty="0"/>
           </a:p>
@@ -9445,7 +9443,7 @@
             <a:fld id="{B61BEF0D-F0BB-DE4B-95CE-6DB70DBA9567}" type="datetimeFigureOut">
               <a:rPr lang="en-US" dirty="0"/>
               <a:pPr/>
-              <a:t>12/6/2016</a:t>
+              <a:t>12/14/2016</a:t>
             </a:fld>
             <a:endParaRPr lang="en-US" dirty="0"/>
           </a:p>
@@ -10016,7 +10014,7 @@
         </p:blipFill>
         <p:spPr>
           <a:xfrm>
-            <a:off x="1810885" y="2237309"/>
+            <a:off x="1557966" y="2149761"/>
             <a:ext cx="2574503" cy="3305074"/>
           </a:xfrm>
         </p:spPr>
@@ -10033,26 +10031,29 @@
         </p:nvSpPr>
         <p:spPr>
           <a:xfrm>
-            <a:off x="4954555" y="1987420"/>
-            <a:ext cx="6548468" cy="3803780"/>
+            <a:off x="4309352" y="1780162"/>
+            <a:ext cx="7305473" cy="4328808"/>
           </a:xfrm>
         </p:spPr>
         <p:txBody>
           <a:bodyPr>
-            <a:normAutofit/>
+            <a:noAutofit/>
           </a:bodyPr>
           <a:lstStyle/>
           <a:p>
+            <a:pPr marL="0" indent="0">
+              <a:buNone/>
+            </a:pPr>
             <a:r>
-              <a:rPr lang="en-US" dirty="0"/>
+              <a:rPr lang="en-US" sz="2200" dirty="0"/>
               <a:t>Clifton Alexander is a recent graduate of Kean University, with a major in Finance and a minor in Economics. He has a strong knowledge of financial markets and current economic trends. He gained Finance experience working as an intern at </a:t>
             </a:r>
             <a:r>
-              <a:rPr lang="en-US" dirty="0" err="1"/>
+              <a:rPr lang="en-US" sz="2200" dirty="0" err="1"/>
               <a:t>EverBank</a:t>
             </a:r>
             <a:r>
-              <a:rPr lang="en-US" dirty="0"/>
+              <a:rPr lang="en-US" sz="2200" dirty="0"/>
               <a:t> Commercial Finance and currently works as a Director of Client Relations and Media at Northwestern Mutual. Clifton was the winner of the 2016 Lockheed Martin Missions Systems and Training International Expansion Case Study. His personal motivations stem from wanting to expand financial literacy to minorities and lower income households. His ultimate goal is to use his passion for technology to help provide an avenue for people to gain financial knowledge and opportunities.</a:t>
             </a:r>
           </a:p>
@@ -10088,28 +10089,6 @@
           <a:chExt cx="0" cy="0"/>
         </a:xfrm>
       </p:grpSpPr>
-      <p:sp>
-        <p:nvSpPr>
-          <p:cNvPr id="3" name="Subtitle 2"/>
-          <p:cNvSpPr>
-            <a:spLocks noGrp="1"/>
-          </p:cNvSpPr>
-          <p:nvPr>
-            <p:ph type="subTitle" idx="1"/>
-          </p:nvPr>
-        </p:nvSpPr>
-        <p:spPr/>
-        <p:txBody>
-          <a:bodyPr/>
-          <a:lstStyle/>
-          <a:p>
-            <a:r>
-              <a:rPr lang="en-US" dirty="0"/>
-              <a:t>Founded by: Clifton Alexander</a:t>
-            </a:r>
-          </a:p>
-        </p:txBody>
-      </p:sp>
       <p:pic>
         <p:nvPicPr>
           <p:cNvPr id="4" name="Picture 3"/>
@@ -10126,8 +10105,8 @@
         </p:blipFill>
         <p:spPr>
           <a:xfrm>
-            <a:off x="4697549" y="1140801"/>
-            <a:ext cx="6623300" cy="2483737"/>
+            <a:off x="2800040" y="848972"/>
+            <a:ext cx="8812639" cy="3304739"/>
           </a:xfrm>
           <a:prstGeom prst="rect">
             <a:avLst/>
@@ -10228,7 +10207,6 @@
               <a:rPr lang="en-US" dirty="0"/>
               <a:t>	Mint leads the pack with 15 million 	users</a:t>
             </a:r>
-            <a:endParaRPr lang="en-US" dirty="0"/>
           </a:p>
         </p:txBody>
       </p:sp>
@@ -10342,7 +10320,12 @@
             <p:ph type="title"/>
           </p:nvPr>
         </p:nvSpPr>
-        <p:spPr/>
+        <p:spPr>
+          <a:xfrm>
+            <a:off x="1484310" y="396347"/>
+            <a:ext cx="10018713" cy="1304395"/>
+          </a:xfrm>
+        </p:spPr>
         <p:txBody>
           <a:bodyPr/>
           <a:lstStyle/>
@@ -10366,13 +10349,13 @@
         </p:nvSpPr>
         <p:spPr>
           <a:xfrm>
-            <a:off x="1484310" y="2666999"/>
-            <a:ext cx="4487865" cy="3124201"/>
+            <a:off x="2994561" y="4091703"/>
+            <a:ext cx="6998209" cy="2513169"/>
           </a:xfrm>
         </p:spPr>
         <p:txBody>
           <a:bodyPr>
-            <a:normAutofit lnSpcReduction="10000"/>
+            <a:normAutofit/>
           </a:bodyPr>
           <a:lstStyle/>
           <a:p>
@@ -10394,16 +10377,7 @@
             </a:r>
             <a:r>
               <a:rPr lang="en-US" sz="2200" dirty="0"/>
-              <a:t>Working Class women and 	men</a:t>
-            </a:r>
-          </a:p>
-          <a:p>
-            <a:pPr marL="0" indent="0">
-              <a:buNone/>
-            </a:pPr>
-            <a:r>
-              <a:rPr lang="en-US" sz="2200" dirty="0"/>
-              <a:t>	Aged 18-49</a:t>
+              <a:t>Working class women and men 	aged 18-49</a:t>
             </a:r>
           </a:p>
           <a:p>
@@ -10421,7 +10395,7 @@
             </a:pPr>
             <a:r>
               <a:rPr lang="en-US" sz="2200" dirty="0"/>
-              <a:t>	Financial reporting agencies and 	other businesses</a:t>
+              <a:t>	Financial reporting agencies and other businesses</a:t>
             </a:r>
           </a:p>
           <a:p>
@@ -10448,7 +10422,7 @@
         </p:blipFill>
         <p:spPr>
           <a:xfrm>
-            <a:off x="1733550" y="3181349"/>
+            <a:off x="3105150" y="5741345"/>
             <a:ext cx="152400" cy="152400"/>
           </a:xfrm>
           <a:prstGeom prst="rect">
@@ -10463,14 +10437,14 @@
           <p:nvPr>
             <p:extLst>
               <p:ext uri="{D42A27DB-BD31-4B8C-83A1-F6EECF244321}">
-                <p14:modId xmlns:p14="http://schemas.microsoft.com/office/powerpoint/2010/main" val="1444465387"/>
+                <p14:modId xmlns:p14="http://schemas.microsoft.com/office/powerpoint/2010/main" val="1895769363"/>
               </p:ext>
             </p:extLst>
           </p:nvPr>
         </p:nvGraphicFramePr>
         <p:xfrm>
-          <a:off x="6762750" y="3990975"/>
-          <a:ext cx="4305300" cy="2152650"/>
+          <a:off x="1400783" y="1687171"/>
+          <a:ext cx="4776280" cy="2404532"/>
         </p:xfrm>
         <a:graphic>
           <a:graphicData uri="http://schemas.openxmlformats.org/drawingml/2006/chart">
@@ -10485,14 +10459,14 @@
           <p:nvPr>
             <p:extLst>
               <p:ext uri="{D42A27DB-BD31-4B8C-83A1-F6EECF244321}">
-                <p14:modId xmlns:p14="http://schemas.microsoft.com/office/powerpoint/2010/main" val="3035383301"/>
+                <p14:modId xmlns:p14="http://schemas.microsoft.com/office/powerpoint/2010/main" val="3091308588"/>
               </p:ext>
             </p:extLst>
           </p:nvPr>
         </p:nvGraphicFramePr>
         <p:xfrm>
-          <a:off x="6762750" y="1957917"/>
-          <a:ext cx="3964783" cy="2147358"/>
+          <a:off x="6831142" y="1508008"/>
+          <a:ext cx="4880959" cy="2995898"/>
         </p:xfrm>
         <a:graphic>
           <a:graphicData uri="http://schemas.openxmlformats.org/drawingml/2006/chart">
@@ -10516,7 +10490,7 @@
         </p:blipFill>
         <p:spPr>
           <a:xfrm>
-            <a:off x="1733550" y="4105275"/>
+            <a:off x="3105150" y="4802831"/>
             <a:ext cx="152400" cy="152400"/>
           </a:xfrm>
           <a:prstGeom prst="rect">
@@ -10540,7 +10514,7 @@
         </p:blipFill>
         <p:spPr>
           <a:xfrm>
-            <a:off x="1733550" y="4814887"/>
+            <a:off x="3105150" y="5272088"/>
             <a:ext cx="152400" cy="152400"/>
           </a:xfrm>
           <a:prstGeom prst="rect">
@@ -10638,7 +10612,11 @@
             </a:pPr>
             <a:r>
               <a:rPr lang="en-US" dirty="0"/>
-              <a:t>	Combines many aspects of saving, investing and learning</a:t>
+              <a:t>	Combines many aspects of saving, investing and </a:t>
+            </a:r>
+            <a:r>
+              <a:rPr lang="en-US" dirty="0"/>
+              <a:t>financial planning</a:t>
             </a:r>
           </a:p>
           <a:p>
@@ -10658,7 +10636,6 @@
               <a:rPr lang="en-US" dirty="0"/>
               <a:t>	</a:t>
             </a:r>
-            <a:endParaRPr lang="en-US" dirty="0"/>
           </a:p>
         </p:txBody>
       </p:sp>
@@ -10828,14 +10805,14 @@
           <p:nvPr>
             <p:extLst>
               <p:ext uri="{D42A27DB-BD31-4B8C-83A1-F6EECF244321}">
-                <p14:modId xmlns:p14="http://schemas.microsoft.com/office/powerpoint/2010/main" val="1326363421"/>
+                <p14:modId xmlns:p14="http://schemas.microsoft.com/office/powerpoint/2010/main" val="4068671278"/>
               </p:ext>
             </p:extLst>
           </p:nvPr>
         </p:nvGraphicFramePr>
         <p:xfrm>
           <a:off x="2126197" y="1542999"/>
-          <a:ext cx="8847665" cy="3316118"/>
+          <a:ext cx="8847665" cy="3383280"/>
         </p:xfrm>
         <a:graphic>
           <a:graphicData uri="http://schemas.openxmlformats.org/drawingml/2006/table">
@@ -10880,7 +10857,7 @@
                   </a:extLst>
                 </a:gridCol>
               </a:tblGrid>
-              <a:tr h="1426358">
+              <a:tr h="1463040">
                 <a:tc rowSpan="2">
                   <a:txBody>
                     <a:bodyPr/>
@@ -11040,7 +11017,7 @@
                     <a:p>
                       <a:pPr rtl="0"/>
                       <a:r>
-                        <a:rPr lang="en-US" sz="1100" b="0" i="0" u="none" strike="noStrike" kern="1200" dirty="0">
+                        <a:rPr lang="en-US" sz="1200" b="1" i="0" u="none" strike="noStrike" kern="1200" dirty="0">
                           <a:solidFill>
                             <a:schemeClr val="tx1"/>
                           </a:solidFill>
@@ -11051,7 +11028,7 @@
                         </a:rPr>
                         <a:t>-Chase</a:t>
                       </a:r>
-                      <a:endParaRPr lang="en-US" sz="1100" b="0" dirty="0">
+                      <a:endParaRPr lang="en-US" sz="1200" b="1" dirty="0">
                         <a:solidFill>
                           <a:schemeClr val="tx1"/>
                         </a:solidFill>
@@ -11061,7 +11038,7 @@
                     <a:p>
                       <a:pPr rtl="0"/>
                       <a:r>
-                        <a:rPr lang="en-US" sz="1100" b="0" i="0" u="none" strike="noStrike" kern="1200" dirty="0">
+                        <a:rPr lang="en-US" sz="1200" b="1" i="0" u="none" strike="noStrike" kern="1200" dirty="0">
                           <a:solidFill>
                             <a:schemeClr val="tx1"/>
                           </a:solidFill>
@@ -11073,7 +11050,7 @@
                         <a:t>-</a:t>
                       </a:r>
                       <a:r>
-                        <a:rPr lang="en-US" sz="1100" b="0" i="0" u="none" strike="noStrike" kern="1200" dirty="0" err="1">
+                        <a:rPr lang="en-US" sz="1200" b="1" i="0" u="none" strike="noStrike" kern="1200" dirty="0" err="1">
                           <a:solidFill>
                             <a:schemeClr val="tx1"/>
                           </a:solidFill>
@@ -11084,7 +11061,7 @@
                         </a:rPr>
                         <a:t>Esurance</a:t>
                       </a:r>
-                      <a:endParaRPr lang="en-US" sz="1100" b="0" dirty="0">
+                      <a:endParaRPr lang="en-US" sz="1200" b="1" dirty="0">
                         <a:solidFill>
                           <a:schemeClr val="tx1"/>
                         </a:solidFill>
@@ -11195,7 +11172,7 @@
                     <a:p>
                       <a:pPr marL="0" algn="l" defTabSz="457200" rtl="0" eaLnBrk="1" latinLnBrk="0" hangingPunct="1"/>
                       <a:r>
-                        <a:rPr lang="en-US" sz="1000" b="0" i="0" u="none" strike="noStrike" kern="1200" dirty="0">
+                        <a:rPr lang="en-US" sz="1200" b="1" i="0" u="none" strike="noStrike" kern="1200" dirty="0">
                           <a:solidFill>
                             <a:schemeClr val="tx1"/>
                           </a:solidFill>
@@ -11204,13 +11181,13 @@
                           <a:ea typeface="+mn-ea"/>
                           <a:cs typeface="+mn-cs"/>
                         </a:rPr>
-                        <a:t>-investment help</a:t>
+                        <a:t>-Investment help</a:t>
                       </a:r>
                     </a:p>
                     <a:p>
                       <a:pPr marL="0" algn="l" defTabSz="457200" rtl="0" eaLnBrk="1" latinLnBrk="0" hangingPunct="1"/>
                       <a:r>
-                        <a:rPr lang="en-US" sz="1000" b="0" i="0" u="none" strike="noStrike" kern="1200" dirty="0">
+                        <a:rPr lang="en-US" sz="1200" b="1" i="0" u="none" strike="noStrike" kern="1200" dirty="0">
                           <a:solidFill>
                             <a:schemeClr val="tx1"/>
                           </a:solidFill>
@@ -11358,7 +11335,7 @@
                     <a:p>
                       <a:pPr marL="0" algn="l" defTabSz="457200" rtl="0" eaLnBrk="1" latinLnBrk="0" hangingPunct="1"/>
                       <a:r>
-                        <a:rPr lang="en-US" sz="1000" b="0" i="0" u="none" strike="noStrike" kern="1200" dirty="0">
+                        <a:rPr lang="en-US" sz="1200" b="1" i="0" u="none" strike="noStrike" kern="1200" dirty="0">
                           <a:solidFill>
                             <a:schemeClr val="tx1"/>
                           </a:solidFill>
@@ -11370,7 +11347,7 @@
                         <a:t>-Provide demographic data to Financial Reporting companies &amp; Advertisers</a:t>
                       </a:r>
                       <a:br>
-                        <a:rPr lang="en-US" sz="1000" b="0" i="0" u="none" strike="noStrike" kern="1200" dirty="0">
+                        <a:rPr lang="en-US" sz="1200" b="1" i="0" u="none" strike="noStrike" kern="1200" dirty="0">
                           <a:solidFill>
                             <a:schemeClr val="tx1"/>
                           </a:solidFill>
@@ -11381,7 +11358,7 @@
                         </a:rPr>
                       </a:br>
                       <a:r>
-                        <a:rPr lang="en-US" sz="1000" b="0" i="0" u="none" strike="noStrike" kern="1200" dirty="0">
+                        <a:rPr lang="en-US" sz="1200" b="1" i="0" u="none" strike="noStrike" kern="1200" dirty="0">
                           <a:solidFill>
                             <a:schemeClr val="tx1"/>
                           </a:solidFill>
@@ -11390,29 +11367,8 @@
                           <a:ea typeface="+mn-ea"/>
                           <a:cs typeface="+mn-cs"/>
                         </a:rPr>
-                        <a:t>-Premium</a:t>
+                        <a:t>-Premium service – Virtual Financial Advisor</a:t>
                       </a:r>
-                      <a:r>
-                        <a:rPr lang="en-US" sz="1000" b="0" i="0" u="none" strike="noStrike" kern="1200" baseline="0" dirty="0">
-                          <a:solidFill>
-                            <a:schemeClr val="tx1"/>
-                          </a:solidFill>
-                          <a:effectLst/>
-                          <a:latin typeface="+mn-lt"/>
-                          <a:ea typeface="+mn-ea"/>
-                          <a:cs typeface="+mn-cs"/>
-                        </a:rPr>
-                        <a:t> service – Virtual Financial Advisor</a:t>
-                      </a:r>
-                      <a:endParaRPr lang="en-US" sz="1000" b="0" i="0" u="none" strike="noStrike" kern="1200" dirty="0">
-                        <a:solidFill>
-                          <a:schemeClr val="tx1"/>
-                        </a:solidFill>
-                        <a:effectLst/>
-                        <a:latin typeface="+mn-lt"/>
-                        <a:ea typeface="+mn-ea"/>
-                        <a:cs typeface="+mn-cs"/>
-                      </a:endParaRPr>
                     </a:p>
                   </a:txBody>
                   <a:tcPr>
@@ -11492,8 +11448,9 @@
                       <a:endParaRPr lang="en-US" sz="1200" baseline="0" dirty="0"/>
                     </a:p>
                     <a:p>
+                      <a:pPr marL="0" algn="l" defTabSz="457200" rtl="0" eaLnBrk="1" latinLnBrk="0" hangingPunct="1"/>
                       <a:r>
-                        <a:rPr lang="en-US" sz="1000" b="0" i="0" u="none" strike="noStrike" kern="1200" dirty="0">
+                        <a:rPr lang="en-US" sz="1200" b="1" i="0" u="none" strike="noStrike" kern="1200" dirty="0">
                           <a:solidFill>
                             <a:schemeClr val="tx1"/>
                           </a:solidFill>
@@ -11607,9 +11564,9 @@
                       </a:endParaRPr>
                     </a:p>
                     <a:p>
-                      <a:pPr rtl="0"/>
+                      <a:pPr marL="0" algn="l" defTabSz="457200" rtl="0" eaLnBrk="1" latinLnBrk="0" hangingPunct="1"/>
                       <a:r>
-                        <a:rPr lang="en-US" sz="1000" b="0" i="0" u="none" strike="noStrike" kern="1200" dirty="0">
+                        <a:rPr lang="en-US" sz="1200" b="1" i="0" u="none" strike="noStrike" kern="1200" dirty="0">
                           <a:solidFill>
                             <a:schemeClr val="tx1"/>
                           </a:solidFill>
@@ -11622,9 +11579,9 @@
                       </a:r>
                     </a:p>
                     <a:p>
-                      <a:pPr rtl="0"/>
+                      <a:pPr marL="0" algn="l" defTabSz="457200" rtl="0" eaLnBrk="1" latinLnBrk="0" hangingPunct="1"/>
                       <a:r>
-                        <a:rPr lang="en-US" sz="1000" b="0" i="0" u="none" strike="noStrike" kern="1200" dirty="0">
+                        <a:rPr lang="en-US" sz="1200" b="1" i="0" u="none" strike="noStrike" kern="1200" dirty="0">
                           <a:solidFill>
                             <a:schemeClr val="tx1"/>
                           </a:solidFill>
@@ -11633,34 +11590,10 @@
                           <a:ea typeface="+mn-ea"/>
                           <a:cs typeface="+mn-cs"/>
                         </a:rPr>
-                        <a:t>-Companies</a:t>
+                        <a:t>-Companies seeking demographic data to improve marketing</a:t>
                       </a:r>
-                      <a:r>
-                        <a:rPr lang="en-US" sz="1000" b="0" i="0" u="none" strike="noStrike" kern="1200" baseline="0" dirty="0">
-                          <a:solidFill>
-                            <a:schemeClr val="tx1"/>
-                          </a:solidFill>
-                          <a:effectLst/>
-                          <a:latin typeface="+mn-lt"/>
-                          <a:ea typeface="+mn-ea"/>
-                          <a:cs typeface="+mn-cs"/>
-                        </a:rPr>
-                        <a:t> seeking demographic data to improve marketing</a:t>
-                      </a:r>
-                      <a:endParaRPr lang="en-US" sz="1000" b="0" i="0" u="none" strike="noStrike" kern="1200" dirty="0">
-                        <a:solidFill>
-                          <a:schemeClr val="tx1"/>
-                        </a:solidFill>
-                        <a:effectLst/>
-                        <a:latin typeface="+mn-lt"/>
-                        <a:ea typeface="+mn-ea"/>
-                        <a:cs typeface="+mn-cs"/>
-                      </a:endParaRPr>
                     </a:p>
                     <a:p>
-                      <a:br>
-                        <a:rPr lang="en-US" sz="1200" dirty="0"/>
-                      </a:br>
                       <a:endParaRPr lang="en-US" sz="1200" dirty="0"/>
                     </a:p>
                   </a:txBody>
@@ -11715,7 +11648,7 @@
                   </a:ext>
                 </a:extLst>
               </a:tr>
-              <a:tr h="1889760">
+              <a:tr h="1920240">
                 <a:tc vMerge="1">
                   <a:txBody>
                     <a:bodyPr/>
@@ -11902,7 +11835,7 @@
                     <a:p>
                       <a:pPr marL="0" algn="l" defTabSz="457200" rtl="0" eaLnBrk="1" latinLnBrk="0" hangingPunct="1"/>
                       <a:r>
-                        <a:rPr lang="en-US" sz="1000" b="0" i="0" u="none" strike="noStrike" kern="1200" dirty="0">
+                        <a:rPr lang="en-US" sz="1200" b="1" i="0" u="none" strike="noStrike" kern="1200" dirty="0">
                           <a:solidFill>
                             <a:schemeClr val="tx1"/>
                           </a:solidFill>
@@ -11911,19 +11844,7 @@
                           <a:ea typeface="+mn-ea"/>
                           <a:cs typeface="+mn-cs"/>
                         </a:rPr>
-                        <a:t>-Partner</a:t>
-                      </a:r>
-                      <a:r>
-                        <a:rPr lang="en-US" sz="1000" b="0" i="0" u="none" strike="noStrike" kern="1200" baseline="0" dirty="0">
-                          <a:solidFill>
-                            <a:schemeClr val="tx1"/>
-                          </a:solidFill>
-                          <a:effectLst/>
-                          <a:latin typeface="+mn-lt"/>
-                          <a:ea typeface="+mn-ea"/>
-                          <a:cs typeface="+mn-cs"/>
-                        </a:rPr>
-                        <a:t> Relationships</a:t>
+                        <a:t>-Partner Relationships</a:t>
                       </a:r>
                     </a:p>
                     <a:p>
@@ -12096,7 +12017,7 @@
                     <a:p>
                       <a:pPr marL="0" algn="l" defTabSz="457200" rtl="0" eaLnBrk="1" latinLnBrk="0" hangingPunct="1"/>
                       <a:r>
-                        <a:rPr lang="en-US" sz="1000" b="1" i="0" u="none" strike="noStrike" kern="1200" dirty="0">
+                        <a:rPr lang="en-US" sz="1200" b="1" i="0" u="none" strike="noStrike" kern="1200" dirty="0">
                           <a:solidFill>
                             <a:schemeClr val="tx1"/>
                           </a:solidFill>
@@ -12105,25 +12026,13 @@
                           <a:ea typeface="+mn-ea"/>
                           <a:cs typeface="+mn-cs"/>
                         </a:rPr>
-                        <a:t>-</a:t>
-                      </a:r>
-                      <a:r>
-                        <a:rPr lang="en-US" sz="1000" b="0" i="0" u="none" strike="noStrike" kern="1200" dirty="0">
-                          <a:solidFill>
-                            <a:schemeClr val="tx1"/>
-                          </a:solidFill>
-                          <a:effectLst/>
-                          <a:latin typeface="+mn-lt"/>
-                          <a:ea typeface="+mn-ea"/>
-                          <a:cs typeface="+mn-cs"/>
-                        </a:rPr>
-                        <a:t>Delivery</a:t>
+                        <a:t>-Delivery</a:t>
                       </a:r>
                     </a:p>
                     <a:p>
                       <a:pPr marL="0" algn="l" defTabSz="457200" rtl="0" eaLnBrk="1" latinLnBrk="0" hangingPunct="1"/>
                       <a:r>
-                        <a:rPr lang="en-US" sz="1000" b="0" i="0" u="none" strike="noStrike" kern="1200" dirty="0">
+                        <a:rPr lang="en-US" sz="1200" b="1" i="0" u="none" strike="noStrike" kern="1200" dirty="0">
                           <a:solidFill>
                             <a:schemeClr val="tx1"/>
                           </a:solidFill>
@@ -12210,28 +12119,28 @@
           <p:nvPr>
             <p:extLst>
               <p:ext uri="{D42A27DB-BD31-4B8C-83A1-F6EECF244321}">
-                <p14:modId xmlns:p14="http://schemas.microsoft.com/office/powerpoint/2010/main" val="750411795"/>
+                <p14:modId xmlns:p14="http://schemas.microsoft.com/office/powerpoint/2010/main" val="823152603"/>
               </p:ext>
             </p:extLst>
           </p:nvPr>
         </p:nvGraphicFramePr>
         <p:xfrm>
-          <a:off x="2126194" y="4859117"/>
-          <a:ext cx="8847668" cy="1322608"/>
+          <a:off x="2126196" y="4859117"/>
+          <a:ext cx="8847666" cy="1322608"/>
         </p:xfrm>
         <a:graphic>
           <a:graphicData uri="http://schemas.openxmlformats.org/drawingml/2006/table">
             <a:tbl>
               <a:tblPr/>
               <a:tblGrid>
-                <a:gridCol w="4423834">
+                <a:gridCol w="4423833">
                   <a:extLst>
                     <a:ext uri="{9D8B030D-6E8A-4147-A177-3AD203B41FA5}">
                       <a16:colId xmlns:a16="http://schemas.microsoft.com/office/drawing/2014/main" val="195436270"/>
                     </a:ext>
                   </a:extLst>
                 </a:gridCol>
-                <a:gridCol w="4423834">
+                <a:gridCol w="4423833">
                   <a:extLst>
                     <a:ext uri="{9D8B030D-6E8A-4147-A177-3AD203B41FA5}">
                       <a16:colId xmlns:a16="http://schemas.microsoft.com/office/drawing/2014/main" val="3419064809"/>
@@ -12353,7 +12262,7 @@
                     <a:p>
                       <a:pPr marL="0" algn="l" defTabSz="457200" rtl="0" eaLnBrk="1" latinLnBrk="0" hangingPunct="1"/>
                       <a:r>
-                        <a:rPr lang="en-US" sz="1100" b="0" i="0" u="none" strike="noStrike" kern="1200" dirty="0">
+                        <a:rPr lang="en-US" sz="1200" b="1" i="0" u="none" strike="noStrike" kern="1200" dirty="0">
                           <a:solidFill>
                             <a:schemeClr val="tx1"/>
                           </a:solidFill>
@@ -12476,7 +12385,7 @@
                     <a:p>
                       <a:pPr marL="0" algn="l" defTabSz="457200" rtl="0" eaLnBrk="1" latinLnBrk="0" hangingPunct="1"/>
                       <a:r>
-                        <a:rPr lang="en-US" sz="1000" b="0" i="0" u="none" strike="noStrike" kern="1200" dirty="0">
+                        <a:rPr lang="en-US" sz="1200" b="1" i="0" u="none" strike="noStrike" kern="1200" dirty="0">
                           <a:solidFill>
                             <a:schemeClr val="tx1"/>
                           </a:solidFill>
@@ -12491,7 +12400,7 @@
                     <a:p>
                       <a:pPr marL="0" algn="l" defTabSz="457200" rtl="0" eaLnBrk="1" latinLnBrk="0" hangingPunct="1"/>
                       <a:r>
-                        <a:rPr lang="en-US" sz="1000" b="0" i="0" u="none" strike="noStrike" kern="1200" dirty="0">
+                        <a:rPr lang="en-US" sz="1200" b="1" i="0" u="none" strike="noStrike" kern="1200" dirty="0">
                           <a:solidFill>
                             <a:schemeClr val="tx1"/>
                           </a:solidFill>
@@ -12619,7 +12528,7 @@
             </a:pPr>
             <a:r>
               <a:rPr lang="en-US" dirty="0"/>
-              <a:t>	Invest money from savings feature into short-term securities</a:t>
+              <a:t>	Invest user savings into short-term securities</a:t>
             </a:r>
           </a:p>
           <a:p>
@@ -12637,7 +12546,7 @@
             </a:pPr>
             <a:r>
               <a:rPr lang="en-US" dirty="0"/>
-              <a:t>	Partner with resources to help users (i.e. </a:t>
+              <a:t>	Helpful sponsored content (i.e. </a:t>
             </a:r>
             <a:r>
               <a:rPr lang="en-US" dirty="0" err="1"/>
@@ -12654,7 +12563,7 @@
             </a:pPr>
             <a:r>
               <a:rPr lang="en-US" dirty="0"/>
-              <a:t>	Paid Virtual financial advisor (Future)</a:t>
+              <a:t>	Paid virtual financial advisor (Phase 2)</a:t>
             </a:r>
           </a:p>
         </p:txBody>
@@ -12802,7 +12711,7 @@
           <a:p>
             <a:r>
               <a:rPr lang="en-US" dirty="0"/>
-              <a:t>Go-To-Market Strategy</a:t>
+              <a:t>Milestones &amp; Cost Structure</a:t>
             </a:r>
           </a:p>
         </p:txBody>
@@ -12817,7 +12726,7 @@
             <p:ph idx="1"/>
             <p:extLst>
               <p:ext uri="{D42A27DB-BD31-4B8C-83A1-F6EECF244321}">
-                <p14:modId xmlns:p14="http://schemas.microsoft.com/office/powerpoint/2010/main" val="1575825536"/>
+                <p14:modId xmlns:p14="http://schemas.microsoft.com/office/powerpoint/2010/main" val="853162435"/>
               </p:ext>
             </p:extLst>
           </p:nvPr>
@@ -13035,11 +12944,11 @@
                     <a:p>
                       <a:r>
                         <a:rPr lang="en-US" dirty="0"/>
-                        <a:t>Developer finishes minimum</a:t>
+                        <a:t>Team finishes platform</a:t>
                       </a:r>
                       <a:r>
                         <a:rPr lang="en-US" baseline="0" dirty="0"/>
-                        <a:t> viable product as per current design</a:t>
+                        <a:t> and go to market plans</a:t>
                       </a:r>
                       <a:endParaRPr lang="en-US" dirty="0"/>
                     </a:p>
@@ -13053,7 +12962,7 @@
                     <a:p>
                       <a:r>
                         <a:rPr lang="en-US" dirty="0"/>
-                        <a:t>$20,000</a:t>
+                        <a:t>$120,000</a:t>
                       </a:r>
                     </a:p>
                   </a:txBody>
@@ -13134,7 +13043,7 @@
                     <a:p>
                       <a:r>
                         <a:rPr lang="en-US" dirty="0"/>
-                        <a:t>$30,000</a:t>
+                        <a:t>$120,000</a:t>
                       </a:r>
                     </a:p>
                   </a:txBody>
